--- a/Final Powerpoint Slides.pptx
+++ b/Final Powerpoint Slides.pptx
@@ -747,7 +747,6 @@
               <a:rPr lang="en-US" sz="1200" dirty="0" smtClean="0"/>
               <a:t> multi-racial)</a:t>
             </a:r>
-            <a:endParaRPr lang="en-US" sz="1200" dirty="0" smtClean="0"/>
           </a:p>
         </p:txBody>
       </p:sp>
@@ -4286,7 +4285,35 @@
                 <a:latin typeface="Helvetica"/>
                 <a:cs typeface="Helvetica"/>
               </a:rPr>
-              <a:t>Predicting CKD and Potential Risk Factors with Multiple Linear Regression</a:t>
+              <a:t>Predicting </a:t>
+            </a:r>
+            <a:r>
+              <a:rPr lang="en-US" sz="3200" cap="none" smtClean="0">
+                <a:latin typeface="Helvetica"/>
+                <a:cs typeface="Helvetica"/>
+              </a:rPr>
+              <a:t>CKD </a:t>
+            </a:r>
+            <a:r>
+              <a:rPr lang="en-US" sz="3200" cap="none" smtClean="0">
+                <a:latin typeface="Helvetica"/>
+                <a:cs typeface="Helvetica"/>
+              </a:rPr>
+              <a:t>Cofactors </a:t>
+            </a:r>
+            <a:r>
+              <a:rPr lang="en-US" sz="3200" cap="none" dirty="0" smtClean="0">
+                <a:latin typeface="Helvetica"/>
+                <a:cs typeface="Helvetica"/>
+              </a:rPr>
+              <a:t>with </a:t>
+            </a:r>
+            <a:r>
+              <a:rPr lang="en-US" sz="3200" cap="none" dirty="0" smtClean="0">
+                <a:latin typeface="Helvetica"/>
+                <a:cs typeface="Helvetica"/>
+              </a:rPr>
+              <a:t>Multiple Linear Regression</a:t>
             </a:r>
             <a:endParaRPr lang="en-US" sz="3200" cap="none" dirty="0">
               <a:latin typeface="Helvetica"/>
@@ -4952,11 +4979,7 @@
             </a:r>
             <a:r>
               <a:rPr lang="en-US" b="1" dirty="0" smtClean="0"/>
-              <a:t> </a:t>
-            </a:r>
-            <a:r>
-              <a:rPr lang="en-US" b="1" dirty="0" smtClean="0"/>
-              <a:t>~</a:t>
+              <a:t> ~</a:t>
             </a:r>
             <a:endParaRPr lang="en-US" b="1" dirty="0"/>
           </a:p>
@@ -4985,8 +5008,8 @@
           </a:prstGeom>
         </p:spPr>
       </p:pic>
-      <mc:AlternateContent xmlns:mc="http://schemas.openxmlformats.org/markup-compatibility/2006">
-        <mc:Choice xmlns:a14="http://schemas.microsoft.com/office/drawing/2010/main" Requires="a14">
+      <mc:AlternateContent xmlns:mc="http://schemas.openxmlformats.org/markup-compatibility/2006" xmlns:a14="http://schemas.microsoft.com/office/drawing/2010/main">
+        <mc:Choice Requires="a14">
           <p:sp>
             <p:nvSpPr>
               <p:cNvPr id="10" name="Rectangle 9"/>
@@ -5321,7 +5344,7 @@
             </p:txBody>
           </p:sp>
         </mc:Choice>
-        <mc:Fallback>
+        <mc:Fallback xmlns="">
           <p:sp>
             <p:nvSpPr>
               <p:cNvPr id="10" name="Rectangle 9"/>

--- a/Final Powerpoint Slides.pptx
+++ b/Final Powerpoint Slides.pptx
@@ -213,7 +213,7 @@
           <a:p>
             <a:fld id="{757C6D9A-C4F1-A34C-B442-9C9B31561523}" type="datetimeFigureOut">
               <a:rPr lang="en-US" smtClean="0"/>
-              <a:t>7/18/16</a:t>
+              <a:t>7/19/16</a:t>
             </a:fld>
             <a:endParaRPr lang="es-ES_tradnl"/>
           </a:p>
@@ -1163,7 +1163,7 @@
           <a:p>
             <a:fld id="{E6C434CF-CDA4-5341-A3E9-7A3150F707B2}" type="datetimeFigureOut">
               <a:rPr lang="en-US" smtClean="0"/>
-              <a:t>7/18/16</a:t>
+              <a:t>7/19/16</a:t>
             </a:fld>
             <a:endParaRPr lang="es-ES_tradnl" dirty="0"/>
           </a:p>
@@ -1428,7 +1428,7 @@
           <a:p>
             <a:fld id="{E6C434CF-CDA4-5341-A3E9-7A3150F707B2}" type="datetimeFigureOut">
               <a:rPr lang="en-US" smtClean="0"/>
-              <a:t>7/18/16</a:t>
+              <a:t>7/19/16</a:t>
             </a:fld>
             <a:endParaRPr lang="es-ES_tradnl" dirty="0"/>
           </a:p>
@@ -1603,7 +1603,7 @@
           <a:p>
             <a:fld id="{E6C434CF-CDA4-5341-A3E9-7A3150F707B2}" type="datetimeFigureOut">
               <a:rPr lang="en-US" smtClean="0"/>
-              <a:t>7/18/16</a:t>
+              <a:t>7/19/16</a:t>
             </a:fld>
             <a:endParaRPr lang="es-ES_tradnl" dirty="0"/>
           </a:p>
@@ -1768,7 +1768,7 @@
           <a:p>
             <a:fld id="{E6C434CF-CDA4-5341-A3E9-7A3150F707B2}" type="datetimeFigureOut">
               <a:rPr lang="en-US" smtClean="0"/>
-              <a:t>7/18/16</a:t>
+              <a:t>7/19/16</a:t>
             </a:fld>
             <a:endParaRPr lang="es-ES_tradnl" dirty="0"/>
           </a:p>
@@ -2017,7 +2017,7 @@
           <a:p>
             <a:fld id="{E6C434CF-CDA4-5341-A3E9-7A3150F707B2}" type="datetimeFigureOut">
               <a:rPr lang="en-US" smtClean="0"/>
-              <a:t>7/18/16</a:t>
+              <a:t>7/19/16</a:t>
             </a:fld>
             <a:endParaRPr lang="es-ES_tradnl" dirty="0"/>
           </a:p>
@@ -2300,7 +2300,7 @@
           <a:p>
             <a:fld id="{E6C434CF-CDA4-5341-A3E9-7A3150F707B2}" type="datetimeFigureOut">
               <a:rPr lang="en-US" smtClean="0"/>
-              <a:t>7/18/16</a:t>
+              <a:t>7/19/16</a:t>
             </a:fld>
             <a:endParaRPr lang="es-ES_tradnl" dirty="0"/>
           </a:p>
@@ -2739,7 +2739,7 @@
           <a:p>
             <a:fld id="{E6C434CF-CDA4-5341-A3E9-7A3150F707B2}" type="datetimeFigureOut">
               <a:rPr lang="en-US" smtClean="0"/>
-              <a:t>7/18/16</a:t>
+              <a:t>7/19/16</a:t>
             </a:fld>
             <a:endParaRPr lang="es-ES_tradnl" dirty="0"/>
           </a:p>
@@ -2852,7 +2852,7 @@
           <a:p>
             <a:fld id="{E6C434CF-CDA4-5341-A3E9-7A3150F707B2}" type="datetimeFigureOut">
               <a:rPr lang="en-US" smtClean="0"/>
-              <a:t>7/18/16</a:t>
+              <a:t>7/19/16</a:t>
             </a:fld>
             <a:endParaRPr lang="es-ES_tradnl" dirty="0"/>
           </a:p>
@@ -2942,7 +2942,7 @@
           <a:p>
             <a:fld id="{E6C434CF-CDA4-5341-A3E9-7A3150F707B2}" type="datetimeFigureOut">
               <a:rPr lang="en-US" smtClean="0"/>
-              <a:t>7/18/16</a:t>
+              <a:t>7/19/16</a:t>
             </a:fld>
             <a:endParaRPr lang="es-ES_tradnl" dirty="0"/>
           </a:p>
@@ -3184,7 +3184,7 @@
           <a:p>
             <a:fld id="{E6C434CF-CDA4-5341-A3E9-7A3150F707B2}" type="datetimeFigureOut">
               <a:rPr lang="en-US" smtClean="0"/>
-              <a:t>7/18/16</a:t>
+              <a:t>7/19/16</a:t>
             </a:fld>
             <a:endParaRPr lang="es-ES_tradnl" dirty="0"/>
           </a:p>
@@ -3478,7 +3478,7 @@
           <a:p>
             <a:fld id="{E6C434CF-CDA4-5341-A3E9-7A3150F707B2}" type="datetimeFigureOut">
               <a:rPr lang="en-US" smtClean="0"/>
-              <a:t>7/18/16</a:t>
+              <a:t>7/19/16</a:t>
             </a:fld>
             <a:endParaRPr lang="es-ES_tradnl" dirty="0"/>
           </a:p>
@@ -3772,7 +3772,7 @@
           <a:p>
             <a:fld id="{E6C434CF-CDA4-5341-A3E9-7A3150F707B2}" type="datetimeFigureOut">
               <a:rPr lang="en-US" smtClean="0"/>
-              <a:t>7/18/16</a:t>
+              <a:t>7/19/16</a:t>
             </a:fld>
             <a:endParaRPr lang="es-ES_tradnl" dirty="0"/>
           </a:p>
@@ -4292,28 +4292,14 @@
                 <a:latin typeface="Helvetica"/>
                 <a:cs typeface="Helvetica"/>
               </a:rPr>
-              <a:t>CKD </a:t>
-            </a:r>
-            <a:r>
-              <a:rPr lang="en-US" sz="3200" cap="none" smtClean="0">
-                <a:latin typeface="Helvetica"/>
-                <a:cs typeface="Helvetica"/>
-              </a:rPr>
-              <a:t>Cofactors </a:t>
+              <a:t>CKD Cofactors </a:t>
             </a:r>
             <a:r>
               <a:rPr lang="en-US" sz="3200" cap="none" dirty="0" smtClean="0">
                 <a:latin typeface="Helvetica"/>
                 <a:cs typeface="Helvetica"/>
               </a:rPr>
-              <a:t>with </a:t>
-            </a:r>
-            <a:r>
-              <a:rPr lang="en-US" sz="3200" cap="none" dirty="0" smtClean="0">
-                <a:latin typeface="Helvetica"/>
-                <a:cs typeface="Helvetica"/>
-              </a:rPr>
-              <a:t>Multiple Linear Regression</a:t>
+              <a:t>with Multiple Linear Regression</a:t>
             </a:r>
             <a:endParaRPr lang="en-US" sz="3200" cap="none" dirty="0">
               <a:latin typeface="Helvetica"/>

--- a/Final Powerpoint Slides.pptx
+++ b/Final Powerpoint Slides.pptx
@@ -114,7 +114,7 @@
   </p:defaultTextStyle>
   <p:extLst>
     <p:ext uri="{EFAFB233-063F-42B5-8137-9DF3F51BA10A}">
-      <p15:sldGuideLst xmlns:p15="http://schemas.microsoft.com/office/powerpoint/2012/main">
+      <p15:sldGuideLst xmlns:p15="http://schemas.microsoft.com/office/powerpoint/2012/main" xmlns="">
         <p15:guide id="1" orient="horz" pos="2160">
           <p15:clr>
             <a:srgbClr val="A4A3A4"/>
@@ -4366,7 +4366,7 @@
   <p:timing>
     <p:tnLst>
       <p:par>
-        <p:cTn id="1" dur="indefinite" restart="never" nodeType="tmRoot"/>
+        <p:cTn xmlns:p14="http://schemas.microsoft.com/office/powerpoint/2010/main" id="1" dur="indefinite" restart="never" nodeType="tmRoot"/>
       </p:par>
     </p:tnLst>
   </p:timing>
@@ -4711,7 +4711,7 @@
   <p:timing>
     <p:tnLst>
       <p:par>
-        <p:cTn id="1" dur="indefinite" restart="never" nodeType="tmRoot"/>
+        <p:cTn xmlns:p14="http://schemas.microsoft.com/office/powerpoint/2010/main" id="1" dur="indefinite" restart="never" nodeType="tmRoot"/>
       </p:par>
     </p:tnLst>
   </p:timing>
@@ -4737,69 +4737,6 @@
       </p:grpSpPr>
       <p:sp>
         <p:nvSpPr>
-          <p:cNvPr id="3" name="Content Placeholder 2"/>
-          <p:cNvSpPr>
-            <a:spLocks noGrp="1"/>
-          </p:cNvSpPr>
-          <p:nvPr>
-            <p:ph idx="1"/>
-          </p:nvPr>
-        </p:nvSpPr>
-        <p:spPr>
-          <a:xfrm>
-            <a:off x="457199" y="3184917"/>
-            <a:ext cx="2372622" cy="1583928"/>
-          </a:xfrm>
-        </p:spPr>
-        <p:txBody>
-          <a:bodyPr/>
-          <a:lstStyle/>
-          <a:p>
-            <a:pPr marL="0" indent="0">
-              <a:buNone/>
-            </a:pPr>
-            <a:r>
-              <a:rPr lang="en-US" dirty="0" smtClean="0">
-                <a:latin typeface="Helvetica"/>
-                <a:cs typeface="Helvetica"/>
-              </a:rPr>
-              <a:t>Clear</a:t>
-            </a:r>
-            <a:r>
-              <a:rPr lang="en-US" b="0" dirty="0" smtClean="0">
-                <a:latin typeface="Helvetica"/>
-                <a:cs typeface="Helvetica"/>
-              </a:rPr>
-              <a:t> and </a:t>
-            </a:r>
-          </a:p>
-          <a:p>
-            <a:pPr marL="0" indent="0">
-              <a:buNone/>
-            </a:pPr>
-            <a:r>
-              <a:rPr lang="en-US" dirty="0" smtClean="0">
-                <a:latin typeface="Helvetica"/>
-                <a:cs typeface="Helvetica"/>
-              </a:rPr>
-              <a:t>Immediate</a:t>
-            </a:r>
-            <a:r>
-              <a:rPr lang="en-US" b="0" dirty="0" smtClean="0">
-                <a:latin typeface="Helvetica"/>
-                <a:cs typeface="Helvetica"/>
-              </a:rPr>
-              <a:t> idea</a:t>
-            </a:r>
-            <a:endParaRPr lang="en-US" b="0" dirty="0">
-              <a:latin typeface="Helvetica"/>
-              <a:cs typeface="Helvetica"/>
-            </a:endParaRPr>
-          </a:p>
-        </p:txBody>
-      </p:sp>
-      <p:sp>
-        <p:nvSpPr>
           <p:cNvPr id="6" name="Title 1"/>
           <p:cNvSpPr>
             <a:spLocks noGrp="1"/>
@@ -4836,7 +4773,7 @@
       </p:sp>
       <p:pic>
         <p:nvPicPr>
-          <p:cNvPr id="5" name="Picture 4" descr="Screen Shot 2016-07-17 at 6.55.28 PM.jpg"/>
+          <p:cNvPr id="7" name="Picture 6" descr="New bar graph.png"/>
           <p:cNvPicPr>
             <a:picLocks noChangeAspect="1"/>
           </p:cNvPicPr>
@@ -4856,8 +4793,8 @@
         </p:blipFill>
         <p:spPr>
           <a:xfrm>
-            <a:off x="2796894" y="1921026"/>
-            <a:ext cx="5790053" cy="3895186"/>
+            <a:off x="665715" y="1895789"/>
+            <a:ext cx="7923743" cy="4493006"/>
           </a:xfrm>
           <a:prstGeom prst="rect">
             <a:avLst/>
@@ -4877,7 +4814,7 @@
   <p:timing>
     <p:tnLst>
       <p:par>
-        <p:cTn id="1" dur="indefinite" restart="never" nodeType="tmRoot"/>
+        <p:cTn xmlns:p14="http://schemas.microsoft.com/office/powerpoint/2010/main" id="1" dur="indefinite" restart="never" nodeType="tmRoot"/>
       </p:par>
     </p:tnLst>
   </p:timing>
@@ -4919,7 +4856,7 @@
         </p:spPr>
         <p:txBody>
           <a:bodyPr>
-            <a:normAutofit/>
+            <a:normAutofit fontScale="90000"/>
           </a:bodyPr>
           <a:lstStyle/>
           <a:p>
@@ -5019,7 +4956,7 @@
               <a:p>
                 <a:pPr algn="ctr"/>
                 <a14:m>
-                  <m:oMathPara xmlns:m="http://schemas.openxmlformats.org/officeDocument/2006/math">
+                  <m:oMathPara xmlns:m="http://schemas.openxmlformats.org/officeDocument/2006/math" xmlns="">
                     <m:oMathParaPr>
                       <m:jc m:val="centerGroup"/>
                     </m:oMathParaPr>
@@ -5382,7 +5319,7 @@
   <p:timing>
     <p:tnLst>
       <p:par>
-        <p:cTn id="1" dur="indefinite" restart="never" nodeType="tmRoot"/>
+        <p:cTn xmlns:p14="http://schemas.microsoft.com/office/powerpoint/2010/main" id="1" dur="indefinite" restart="never" nodeType="tmRoot"/>
       </p:par>
     </p:tnLst>
   </p:timing>
@@ -5834,7 +5771,7 @@
   <p:timing>
     <p:tnLst>
       <p:par>
-        <p:cTn id="1" dur="indefinite" restart="never" nodeType="tmRoot"/>
+        <p:cTn xmlns:p14="http://schemas.microsoft.com/office/powerpoint/2010/main" id="1" dur="indefinite" restart="never" nodeType="tmRoot"/>
       </p:par>
     </p:tnLst>
   </p:timing>
@@ -6007,7 +5944,7 @@
   <p:timing>
     <p:tnLst>
       <p:par>
-        <p:cTn id="1" dur="indefinite" restart="never" nodeType="tmRoot"/>
+        <p:cTn xmlns:p14="http://schemas.microsoft.com/office/powerpoint/2010/main" id="1" dur="indefinite" restart="never" nodeType="tmRoot"/>
       </p:par>
     </p:tnLst>
   </p:timing>

--- a/Final Powerpoint Slides.pptx
+++ b/Final Powerpoint Slides.pptx
@@ -114,7 +114,7 @@
   </p:defaultTextStyle>
   <p:extLst>
     <p:ext uri="{EFAFB233-063F-42B5-8137-9DF3F51BA10A}">
-      <p15:sldGuideLst xmlns:p15="http://schemas.microsoft.com/office/powerpoint/2012/main" xmlns="">
+      <p15:sldGuideLst xmlns="" xmlns:p15="http://schemas.microsoft.com/office/powerpoint/2012/main">
         <p15:guide id="1" orient="horz" pos="2160">
           <p15:clr>
             <a:srgbClr val="A4A3A4"/>
@@ -4773,7 +4773,7 @@
       </p:sp>
       <p:pic>
         <p:nvPicPr>
-          <p:cNvPr id="7" name="Picture 6" descr="New bar graph.png"/>
+          <p:cNvPr id="2" name="Picture 1" descr="Screen Shot 2016-07-19 at 7.37.22 PM.png"/>
           <p:cNvPicPr>
             <a:picLocks noChangeAspect="1"/>
           </p:cNvPicPr>
@@ -4793,8 +4793,8 @@
         </p:blipFill>
         <p:spPr>
           <a:xfrm>
-            <a:off x="665715" y="1895789"/>
-            <a:ext cx="7923743" cy="4493006"/>
+            <a:off x="829736" y="1744133"/>
+            <a:ext cx="7502440" cy="4898812"/>
           </a:xfrm>
           <a:prstGeom prst="rect">
             <a:avLst/>
@@ -4956,7 +4956,7 @@
               <a:p>
                 <a:pPr algn="ctr"/>
                 <a14:m>
-                  <m:oMathPara xmlns:m="http://schemas.openxmlformats.org/officeDocument/2006/math" xmlns="">
+                  <m:oMathPara xmlns="" xmlns:m="http://schemas.openxmlformats.org/officeDocument/2006/math">
                     <m:oMathParaPr>
                       <m:jc m:val="centerGroup"/>
                     </m:oMathParaPr>
